--- a/Discord bot.pptx
+++ b/Discord bot.pptx
@@ -6,14 +6,15 @@
   </p:sldMasterIdLst>
   <p:sldIdLst>
     <p:sldId id="256" r:id="rId2"/>
-    <p:sldId id="257" r:id="rId3"/>
-    <p:sldId id="258" r:id="rId4"/>
-    <p:sldId id="259" r:id="rId5"/>
-    <p:sldId id="260" r:id="rId6"/>
-    <p:sldId id="261" r:id="rId7"/>
-    <p:sldId id="266" r:id="rId8"/>
-    <p:sldId id="262" r:id="rId9"/>
-    <p:sldId id="263" r:id="rId10"/>
+    <p:sldId id="267" r:id="rId3"/>
+    <p:sldId id="257" r:id="rId4"/>
+    <p:sldId id="258" r:id="rId5"/>
+    <p:sldId id="259" r:id="rId6"/>
+    <p:sldId id="260" r:id="rId7"/>
+    <p:sldId id="261" r:id="rId8"/>
+    <p:sldId id="266" r:id="rId9"/>
+    <p:sldId id="262" r:id="rId10"/>
+    <p:sldId id="263" r:id="rId11"/>
   </p:sldIdLst>
   <p:sldSz cx="12192000" cy="6858000"/>
   <p:notesSz cx="6858000" cy="9144000"/>
@@ -112,6 +113,11 @@
       </a:defRPr>
     </a:lvl9pPr>
   </p:defaultTextStyle>
+  <p:extLst>
+    <p:ext uri="{EFAFB233-063F-42B5-8137-9DF3F51BA10A}">
+      <p15:sldGuideLst xmlns:p15="http://schemas.microsoft.com/office/powerpoint/2012/main"/>
+    </p:ext>
+  </p:extLst>
 </p:presentation>
 </file>
 
@@ -5858,7 +5864,242 @@
 </p:sld>
 </file>
 
+<file path=ppt/slides/slide10.xml><?xml version="1.0" encoding="utf-8"?>
+<p:sld xmlns:a="http://schemas.openxmlformats.org/drawingml/2006/main" xmlns:r="http://schemas.openxmlformats.org/officeDocument/2006/relationships" xmlns:p="http://schemas.openxmlformats.org/presentationml/2006/main">
+  <p:cSld>
+    <p:spTree>
+      <p:nvGrpSpPr>
+        <p:cNvPr id="1" name=""/>
+        <p:cNvGrpSpPr/>
+        <p:nvPr/>
+      </p:nvGrpSpPr>
+      <p:grpSpPr>
+        <a:xfrm>
+          <a:off x="0" y="0"/>
+          <a:ext cx="0" cy="0"/>
+          <a:chOff x="0" y="0"/>
+          <a:chExt cx="0" cy="0"/>
+        </a:xfrm>
+      </p:grpSpPr>
+      <p:sp>
+        <p:nvSpPr>
+          <p:cNvPr id="5" name="TextBox 4">
+            <a:extLst>
+              <a:ext uri="{FF2B5EF4-FFF2-40B4-BE49-F238E27FC236}">
+                <a16:creationId xmlns:a16="http://schemas.microsoft.com/office/drawing/2014/main" id="{0123F14B-F822-4C99-8CD1-51E018CD5BEB}"/>
+              </a:ext>
+            </a:extLst>
+          </p:cNvPr>
+          <p:cNvSpPr txBox="1"/>
+          <p:nvPr/>
+        </p:nvSpPr>
+        <p:spPr>
+          <a:xfrm>
+            <a:off x="2417315" y="2921168"/>
+            <a:ext cx="7357369" cy="1015663"/>
+          </a:xfrm>
+          <a:prstGeom prst="rect">
+            <a:avLst/>
+          </a:prstGeom>
+          <a:noFill/>
+        </p:spPr>
+        <p:txBody>
+          <a:bodyPr wrap="square">
+            <a:spAutoFit/>
+          </a:bodyPr>
+          <a:lstStyle/>
+          <a:p>
+            <a:r>
+              <a:rPr lang="ru-RU" sz="6000" dirty="0">
+                <a:latin typeface="Times New Roman" panose="02020603050405020304" pitchFamily="18" charset="0"/>
+                <a:cs typeface="Times New Roman" panose="02020603050405020304" pitchFamily="18" charset="0"/>
+              </a:rPr>
+              <a:t>Спасибо за внимание</a:t>
+            </a:r>
+          </a:p>
+        </p:txBody>
+      </p:sp>
+    </p:spTree>
+    <p:extLst>
+      <p:ext uri="{BB962C8B-B14F-4D97-AF65-F5344CB8AC3E}">
+        <p14:creationId xmlns:p14="http://schemas.microsoft.com/office/powerpoint/2010/main" val="91336675"/>
+      </p:ext>
+    </p:extLst>
+  </p:cSld>
+  <p:clrMapOvr>
+    <a:masterClrMapping/>
+  </p:clrMapOvr>
+</p:sld>
+</file>
+
 <file path=ppt/slides/slide2.xml><?xml version="1.0" encoding="utf-8"?>
+<p:sld xmlns:a="http://schemas.openxmlformats.org/drawingml/2006/main" xmlns:r="http://schemas.openxmlformats.org/officeDocument/2006/relationships" xmlns:p="http://schemas.openxmlformats.org/presentationml/2006/main">
+  <p:cSld>
+    <p:spTree>
+      <p:nvGrpSpPr>
+        <p:cNvPr id="1" name=""/>
+        <p:cNvGrpSpPr/>
+        <p:nvPr/>
+      </p:nvGrpSpPr>
+      <p:grpSpPr>
+        <a:xfrm>
+          <a:off x="0" y="0"/>
+          <a:ext cx="0" cy="0"/>
+          <a:chOff x="0" y="0"/>
+          <a:chExt cx="0" cy="0"/>
+        </a:xfrm>
+      </p:grpSpPr>
+      <p:sp>
+        <p:nvSpPr>
+          <p:cNvPr id="3" name="Объект 2">
+            <a:extLst>
+              <a:ext uri="{FF2B5EF4-FFF2-40B4-BE49-F238E27FC236}">
+                <a16:creationId xmlns:a16="http://schemas.microsoft.com/office/drawing/2014/main" id="{2A1D3624-5CE5-4C06-BD3F-F70BC3DCC535}"/>
+              </a:ext>
+            </a:extLst>
+          </p:cNvPr>
+          <p:cNvSpPr>
+            <a:spLocks noGrp="1"/>
+          </p:cNvSpPr>
+          <p:nvPr>
+            <p:ph idx="1"/>
+          </p:nvPr>
+        </p:nvSpPr>
+        <p:spPr>
+          <a:xfrm>
+            <a:off x="685800" y="2096906"/>
+            <a:ext cx="8156359" cy="3433883"/>
+          </a:xfrm>
+        </p:spPr>
+        <p:txBody>
+          <a:bodyPr>
+            <a:normAutofit/>
+          </a:bodyPr>
+          <a:lstStyle/>
+          <a:p>
+            <a:r>
+              <a:rPr lang="en-US" sz="3200" dirty="0">
+                <a:latin typeface="Times New Roman" panose="02020603050405020304" pitchFamily="18" charset="0"/>
+                <a:cs typeface="Times New Roman" panose="02020603050405020304" pitchFamily="18" charset="0"/>
+              </a:rPr>
+              <a:t>selenium</a:t>
+            </a:r>
+          </a:p>
+          <a:p>
+            <a:r>
+              <a:rPr lang="en-US" sz="3200" dirty="0" err="1">
+                <a:latin typeface="Times New Roman" panose="02020603050405020304" pitchFamily="18" charset="0"/>
+                <a:cs typeface="Times New Roman" panose="02020603050405020304" pitchFamily="18" charset="0"/>
+              </a:rPr>
+              <a:t>fuzzywuzzy</a:t>
+            </a:r>
+            <a:endParaRPr lang="en-US" sz="3200" dirty="0">
+              <a:latin typeface="Times New Roman" panose="02020603050405020304" pitchFamily="18" charset="0"/>
+              <a:cs typeface="Times New Roman" panose="02020603050405020304" pitchFamily="18" charset="0"/>
+            </a:endParaRPr>
+          </a:p>
+          <a:p>
+            <a:r>
+              <a:rPr lang="en-US" sz="3200" dirty="0" err="1">
+                <a:latin typeface="Times New Roman" panose="02020603050405020304" pitchFamily="18" charset="0"/>
+                <a:cs typeface="Times New Roman" panose="02020603050405020304" pitchFamily="18" charset="0"/>
+              </a:rPr>
+              <a:t>sympy</a:t>
+            </a:r>
+            <a:endParaRPr lang="en-US" sz="3200" dirty="0">
+              <a:latin typeface="Times New Roman" panose="02020603050405020304" pitchFamily="18" charset="0"/>
+              <a:cs typeface="Times New Roman" panose="02020603050405020304" pitchFamily="18" charset="0"/>
+            </a:endParaRPr>
+          </a:p>
+          <a:p>
+            <a:r>
+              <a:rPr lang="en-US" sz="3200" dirty="0">
+                <a:latin typeface="Times New Roman" panose="02020603050405020304" pitchFamily="18" charset="0"/>
+                <a:cs typeface="Times New Roman" panose="02020603050405020304" pitchFamily="18" charset="0"/>
+              </a:rPr>
+              <a:t>discord</a:t>
+            </a:r>
+          </a:p>
+          <a:p>
+            <a:r>
+              <a:rPr lang="en-US" sz="3200" dirty="0">
+                <a:latin typeface="Times New Roman" panose="02020603050405020304" pitchFamily="18" charset="0"/>
+                <a:cs typeface="Times New Roman" panose="02020603050405020304" pitchFamily="18" charset="0"/>
+              </a:rPr>
+              <a:t>Pyttsx3</a:t>
+            </a:r>
+            <a:endParaRPr lang="ru-RU" sz="3200" dirty="0">
+              <a:latin typeface="Times New Roman" panose="02020603050405020304" pitchFamily="18" charset="0"/>
+              <a:cs typeface="Times New Roman" panose="02020603050405020304" pitchFamily="18" charset="0"/>
+            </a:endParaRPr>
+          </a:p>
+          <a:p>
+            <a:r>
+              <a:rPr lang="en-US" sz="3200" dirty="0" err="1">
+                <a:latin typeface="Times New Roman" panose="02020603050405020304" pitchFamily="18" charset="0"/>
+                <a:cs typeface="Times New Roman" panose="02020603050405020304" pitchFamily="18" charset="0"/>
+              </a:rPr>
+              <a:t>youtube_dl</a:t>
+            </a:r>
+            <a:endParaRPr lang="ru-RU" sz="3200" dirty="0">
+              <a:latin typeface="Times New Roman" panose="02020603050405020304" pitchFamily="18" charset="0"/>
+              <a:cs typeface="Times New Roman" panose="02020603050405020304" pitchFamily="18" charset="0"/>
+            </a:endParaRPr>
+          </a:p>
+        </p:txBody>
+      </p:sp>
+      <p:sp>
+        <p:nvSpPr>
+          <p:cNvPr id="5" name="TextBox 4">
+            <a:extLst>
+              <a:ext uri="{FF2B5EF4-FFF2-40B4-BE49-F238E27FC236}">
+                <a16:creationId xmlns:a16="http://schemas.microsoft.com/office/drawing/2014/main" id="{C10C107A-CB42-4618-AC18-51CD35044635}"/>
+              </a:ext>
+            </a:extLst>
+          </p:cNvPr>
+          <p:cNvSpPr txBox="1"/>
+          <p:nvPr/>
+        </p:nvSpPr>
+        <p:spPr>
+          <a:xfrm>
+            <a:off x="685800" y="887890"/>
+            <a:ext cx="7739109" cy="1015663"/>
+          </a:xfrm>
+          <a:prstGeom prst="rect">
+            <a:avLst/>
+          </a:prstGeom>
+          <a:noFill/>
+        </p:spPr>
+        <p:txBody>
+          <a:bodyPr wrap="square">
+            <a:spAutoFit/>
+          </a:bodyPr>
+          <a:lstStyle/>
+          <a:p>
+            <a:r>
+              <a:rPr lang="ru-RU" sz="6000" dirty="0">
+                <a:latin typeface="Times New Roman" panose="02020603050405020304" pitchFamily="18" charset="0"/>
+                <a:cs typeface="Times New Roman" panose="02020603050405020304" pitchFamily="18" charset="0"/>
+              </a:rPr>
+              <a:t>Используемые модули</a:t>
+            </a:r>
+          </a:p>
+        </p:txBody>
+      </p:sp>
+    </p:spTree>
+    <p:extLst>
+      <p:ext uri="{BB962C8B-B14F-4D97-AF65-F5344CB8AC3E}">
+        <p14:creationId xmlns:p14="http://schemas.microsoft.com/office/powerpoint/2010/main" val="1726083692"/>
+      </p:ext>
+    </p:extLst>
+  </p:cSld>
+  <p:clrMapOvr>
+    <a:masterClrMapping/>
+  </p:clrMapOvr>
+</p:sld>
+</file>
+
+<file path=ppt/slides/slide3.xml><?xml version="1.0" encoding="utf-8"?>
 <p:sld xmlns:a="http://schemas.openxmlformats.org/drawingml/2006/main" xmlns:r="http://schemas.openxmlformats.org/officeDocument/2006/relationships" xmlns:p="http://schemas.openxmlformats.org/presentationml/2006/main">
   <p:cSld>
     <p:spTree>
@@ -6138,7 +6379,7 @@
 </p:sld>
 </file>
 
-<file path=ppt/slides/slide3.xml><?xml version="1.0" encoding="utf-8"?>
+<file path=ppt/slides/slide4.xml><?xml version="1.0" encoding="utf-8"?>
 <p:sld xmlns:a="http://schemas.openxmlformats.org/drawingml/2006/main" xmlns:r="http://schemas.openxmlformats.org/officeDocument/2006/relationships" xmlns:p="http://schemas.openxmlformats.org/presentationml/2006/main">
   <p:cSld>
     <p:spTree>
@@ -6325,7 +6566,7 @@
 </p:sld>
 </file>
 
-<file path=ppt/slides/slide4.xml><?xml version="1.0" encoding="utf-8"?>
+<file path=ppt/slides/slide5.xml><?xml version="1.0" encoding="utf-8"?>
 <p:sld xmlns:a="http://schemas.openxmlformats.org/drawingml/2006/main" xmlns:r="http://schemas.openxmlformats.org/officeDocument/2006/relationships" xmlns:p="http://schemas.openxmlformats.org/presentationml/2006/main">
   <p:cSld>
     <p:spTree>
@@ -6553,7 +6794,7 @@
 </p:sld>
 </file>
 
-<file path=ppt/slides/slide5.xml><?xml version="1.0" encoding="utf-8"?>
+<file path=ppt/slides/slide6.xml><?xml version="1.0" encoding="utf-8"?>
 <p:sld xmlns:a="http://schemas.openxmlformats.org/drawingml/2006/main" xmlns:r="http://schemas.openxmlformats.org/officeDocument/2006/relationships" xmlns:p="http://schemas.openxmlformats.org/presentationml/2006/main">
   <p:cSld>
     <p:spTree>
@@ -6737,7 +6978,7 @@
 </p:sld>
 </file>
 
-<file path=ppt/slides/slide6.xml><?xml version="1.0" encoding="utf-8"?>
+<file path=ppt/slides/slide7.xml><?xml version="1.0" encoding="utf-8"?>
 <p:sld xmlns:a="http://schemas.openxmlformats.org/drawingml/2006/main" xmlns:r="http://schemas.openxmlformats.org/officeDocument/2006/relationships" xmlns:p="http://schemas.openxmlformats.org/presentationml/2006/main">
   <p:cSld>
     <p:spTree>
@@ -7047,7 +7288,7 @@
 </p:sld>
 </file>
 
-<file path=ppt/slides/slide7.xml><?xml version="1.0" encoding="utf-8"?>
+<file path=ppt/slides/slide8.xml><?xml version="1.0" encoding="utf-8"?>
 <p:sld xmlns:a="http://schemas.openxmlformats.org/drawingml/2006/main" xmlns:r="http://schemas.openxmlformats.org/officeDocument/2006/relationships" xmlns:p="http://schemas.openxmlformats.org/presentationml/2006/main">
   <p:cSld>
     <p:spTree>
@@ -7320,7 +7561,7 @@
 </p:sld>
 </file>
 
-<file path=ppt/slides/slide8.xml><?xml version="1.0" encoding="utf-8"?>
+<file path=ppt/slides/slide9.xml><?xml version="1.0" encoding="utf-8"?>
 <p:sld xmlns:a="http://schemas.openxmlformats.org/drawingml/2006/main" xmlns:r="http://schemas.openxmlformats.org/officeDocument/2006/relationships" xmlns:p="http://schemas.openxmlformats.org/presentationml/2006/main">
   <p:cSld>
     <p:spTree>
@@ -7607,74 +7848,6 @@
     <p:extLst>
       <p:ext uri="{BB962C8B-B14F-4D97-AF65-F5344CB8AC3E}">
         <p14:creationId xmlns:p14="http://schemas.microsoft.com/office/powerpoint/2010/main" val="2918633820"/>
-      </p:ext>
-    </p:extLst>
-  </p:cSld>
-  <p:clrMapOvr>
-    <a:masterClrMapping/>
-  </p:clrMapOvr>
-</p:sld>
-</file>
-
-<file path=ppt/slides/slide9.xml><?xml version="1.0" encoding="utf-8"?>
-<p:sld xmlns:a="http://schemas.openxmlformats.org/drawingml/2006/main" xmlns:r="http://schemas.openxmlformats.org/officeDocument/2006/relationships" xmlns:p="http://schemas.openxmlformats.org/presentationml/2006/main">
-  <p:cSld>
-    <p:spTree>
-      <p:nvGrpSpPr>
-        <p:cNvPr id="1" name=""/>
-        <p:cNvGrpSpPr/>
-        <p:nvPr/>
-      </p:nvGrpSpPr>
-      <p:grpSpPr>
-        <a:xfrm>
-          <a:off x="0" y="0"/>
-          <a:ext cx="0" cy="0"/>
-          <a:chOff x="0" y="0"/>
-          <a:chExt cx="0" cy="0"/>
-        </a:xfrm>
-      </p:grpSpPr>
-      <p:sp>
-        <p:nvSpPr>
-          <p:cNvPr id="5" name="TextBox 4">
-            <a:extLst>
-              <a:ext uri="{FF2B5EF4-FFF2-40B4-BE49-F238E27FC236}">
-                <a16:creationId xmlns:a16="http://schemas.microsoft.com/office/drawing/2014/main" id="{0123F14B-F822-4C99-8CD1-51E018CD5BEB}"/>
-              </a:ext>
-            </a:extLst>
-          </p:cNvPr>
-          <p:cNvSpPr txBox="1"/>
-          <p:nvPr/>
-        </p:nvSpPr>
-        <p:spPr>
-          <a:xfrm>
-            <a:off x="2417315" y="2921168"/>
-            <a:ext cx="7357369" cy="1015663"/>
-          </a:xfrm>
-          <a:prstGeom prst="rect">
-            <a:avLst/>
-          </a:prstGeom>
-          <a:noFill/>
-        </p:spPr>
-        <p:txBody>
-          <a:bodyPr wrap="square">
-            <a:spAutoFit/>
-          </a:bodyPr>
-          <a:lstStyle/>
-          <a:p>
-            <a:r>
-              <a:rPr lang="ru-RU" sz="6000" dirty="0">
-                <a:latin typeface="Times New Roman" panose="02020603050405020304" pitchFamily="18" charset="0"/>
-                <a:cs typeface="Times New Roman" panose="02020603050405020304" pitchFamily="18" charset="0"/>
-              </a:rPr>
-              <a:t>Спасибо за внимание</a:t>
-            </a:r>
-          </a:p>
-        </p:txBody>
-      </p:sp>
-    </p:spTree>
-    <p:extLst>
-      <p:ext uri="{BB962C8B-B14F-4D97-AF65-F5344CB8AC3E}">
-        <p14:creationId xmlns:p14="http://schemas.microsoft.com/office/powerpoint/2010/main" val="91336675"/>
       </p:ext>
     </p:extLst>
   </p:cSld>
